--- a/img/Ecossistema Open Automação.pptx
+++ b/img/Ecossistema Open Automação.pptx
@@ -259,7 +259,7 @@
           <a:p>
             <a:fld id="{B92F3E02-00DD-4B44-9075-AA8AB3735033}" type="datetimeFigureOut">
               <a:rPr lang="pt-BR" smtClean="0"/>
-              <a:t>12/07/2023</a:t>
+              <a:t>16/07/2023</a:t>
             </a:fld>
             <a:endParaRPr lang="pt-BR"/>
           </a:p>
@@ -457,7 +457,7 @@
           <a:p>
             <a:fld id="{B92F3E02-00DD-4B44-9075-AA8AB3735033}" type="datetimeFigureOut">
               <a:rPr lang="pt-BR" smtClean="0"/>
-              <a:t>12/07/2023</a:t>
+              <a:t>16/07/2023</a:t>
             </a:fld>
             <a:endParaRPr lang="pt-BR"/>
           </a:p>
@@ -665,7 +665,7 @@
           <a:p>
             <a:fld id="{B92F3E02-00DD-4B44-9075-AA8AB3735033}" type="datetimeFigureOut">
               <a:rPr lang="pt-BR" smtClean="0"/>
-              <a:t>12/07/2023</a:t>
+              <a:t>16/07/2023</a:t>
             </a:fld>
             <a:endParaRPr lang="pt-BR"/>
           </a:p>
@@ -863,7 +863,7 @@
           <a:p>
             <a:fld id="{B92F3E02-00DD-4B44-9075-AA8AB3735033}" type="datetimeFigureOut">
               <a:rPr lang="pt-BR" smtClean="0"/>
-              <a:t>12/07/2023</a:t>
+              <a:t>16/07/2023</a:t>
             </a:fld>
             <a:endParaRPr lang="pt-BR"/>
           </a:p>
@@ -1138,7 +1138,7 @@
           <a:p>
             <a:fld id="{B92F3E02-00DD-4B44-9075-AA8AB3735033}" type="datetimeFigureOut">
               <a:rPr lang="pt-BR" smtClean="0"/>
-              <a:t>12/07/2023</a:t>
+              <a:t>16/07/2023</a:t>
             </a:fld>
             <a:endParaRPr lang="pt-BR"/>
           </a:p>
@@ -1403,7 +1403,7 @@
           <a:p>
             <a:fld id="{B92F3E02-00DD-4B44-9075-AA8AB3735033}" type="datetimeFigureOut">
               <a:rPr lang="pt-BR" smtClean="0"/>
-              <a:t>12/07/2023</a:t>
+              <a:t>16/07/2023</a:t>
             </a:fld>
             <a:endParaRPr lang="pt-BR"/>
           </a:p>
@@ -1815,7 +1815,7 @@
           <a:p>
             <a:fld id="{B92F3E02-00DD-4B44-9075-AA8AB3735033}" type="datetimeFigureOut">
               <a:rPr lang="pt-BR" smtClean="0"/>
-              <a:t>12/07/2023</a:t>
+              <a:t>16/07/2023</a:t>
             </a:fld>
             <a:endParaRPr lang="pt-BR"/>
           </a:p>
@@ -1956,7 +1956,7 @@
           <a:p>
             <a:fld id="{B92F3E02-00DD-4B44-9075-AA8AB3735033}" type="datetimeFigureOut">
               <a:rPr lang="pt-BR" smtClean="0"/>
-              <a:t>12/07/2023</a:t>
+              <a:t>16/07/2023</a:t>
             </a:fld>
             <a:endParaRPr lang="pt-BR"/>
           </a:p>
@@ -2069,7 +2069,7 @@
           <a:p>
             <a:fld id="{B92F3E02-00DD-4B44-9075-AA8AB3735033}" type="datetimeFigureOut">
               <a:rPr lang="pt-BR" smtClean="0"/>
-              <a:t>12/07/2023</a:t>
+              <a:t>16/07/2023</a:t>
             </a:fld>
             <a:endParaRPr lang="pt-BR"/>
           </a:p>
@@ -2380,7 +2380,7 @@
           <a:p>
             <a:fld id="{B92F3E02-00DD-4B44-9075-AA8AB3735033}" type="datetimeFigureOut">
               <a:rPr lang="pt-BR" smtClean="0"/>
-              <a:t>12/07/2023</a:t>
+              <a:t>16/07/2023</a:t>
             </a:fld>
             <a:endParaRPr lang="pt-BR"/>
           </a:p>
@@ -2668,7 +2668,7 @@
           <a:p>
             <a:fld id="{B92F3E02-00DD-4B44-9075-AA8AB3735033}" type="datetimeFigureOut">
               <a:rPr lang="pt-BR" smtClean="0"/>
-              <a:t>12/07/2023</a:t>
+              <a:t>16/07/2023</a:t>
             </a:fld>
             <a:endParaRPr lang="pt-BR"/>
           </a:p>
@@ -2909,7 +2909,7 @@
           <a:p>
             <a:fld id="{B92F3E02-00DD-4B44-9075-AA8AB3735033}" type="datetimeFigureOut">
               <a:rPr lang="pt-BR" smtClean="0"/>
-              <a:t>12/07/2023</a:t>
+              <a:t>16/07/2023</a:t>
             </a:fld>
             <a:endParaRPr lang="pt-BR"/>
           </a:p>
@@ -6876,8 +6876,8 @@
         </p:nvSpPr>
         <p:spPr>
           <a:xfrm>
-            <a:off x="5027722" y="857388"/>
-            <a:ext cx="678664" cy="592572"/>
+            <a:off x="5027722" y="811054"/>
+            <a:ext cx="678663" cy="638906"/>
           </a:xfrm>
           <a:custGeom>
             <a:avLst/>
@@ -7004,28 +7004,20 @@
               <a:buNone/>
             </a:pPr>
             <a:r>
-              <a:rPr lang="pt-BR" sz="700" kern="1200" dirty="0">
+              <a:rPr lang="pt-BR" sz="1050" dirty="0">
                 <a:solidFill>
                   <a:schemeClr val="tx1"/>
                 </a:solidFill>
               </a:rPr>
-              <a:t>Dispositivos</a:t>
-            </a:r>
-            <a:r>
-              <a:rPr lang="pt-BR" sz="900" kern="1200" dirty="0">
+              <a:t>Rede </a:t>
+            </a:r>
+            <a:r>
+              <a:rPr lang="pt-BR" sz="900" dirty="0" err="1">
                 <a:solidFill>
                   <a:schemeClr val="tx1"/>
                 </a:solidFill>
               </a:rPr>
-              <a:t> </a:t>
-            </a:r>
-            <a:r>
-              <a:rPr lang="pt-BR" sz="900" kern="1200" dirty="0" err="1">
-                <a:solidFill>
-                  <a:schemeClr val="tx1"/>
-                </a:solidFill>
-              </a:rPr>
-              <a:t>Tasmota</a:t>
+              <a:t>Telegram</a:t>
             </a:r>
             <a:endParaRPr lang="pt-BR" sz="700" kern="1200" dirty="0">
               <a:solidFill>
@@ -7788,6 +7780,41 @@
           </a:p>
         </p:txBody>
       </p:sp>
+      <p:pic>
+        <p:nvPicPr>
+          <p:cNvPr id="13" name="Picture 12">
+            <a:extLst>
+              <a:ext uri="{FF2B5EF4-FFF2-40B4-BE49-F238E27FC236}">
+                <a16:creationId xmlns:a16="http://schemas.microsoft.com/office/drawing/2014/main" id="{ABAA8217-00BF-BE06-9ADB-0CB5E563899E}"/>
+              </a:ext>
+            </a:extLst>
+          </p:cNvPr>
+          <p:cNvPicPr>
+            <a:picLocks noChangeAspect="1"/>
+          </p:cNvPicPr>
+          <p:nvPr/>
+        </p:nvPicPr>
+        <p:blipFill>
+          <a:blip r:embed="rId7"/>
+          <a:stretch>
+            <a:fillRect/>
+          </a:stretch>
+        </p:blipFill>
+        <p:spPr>
+          <a:xfrm>
+            <a:off x="3853893" y="4292235"/>
+            <a:ext cx="1172059" cy="396188"/>
+          </a:xfrm>
+          <a:prstGeom prst="rect">
+            <a:avLst/>
+          </a:prstGeom>
+          <a:ln>
+            <a:solidFill>
+              <a:schemeClr val="tx1"/>
+            </a:solidFill>
+          </a:ln>
+        </p:spPr>
+      </p:pic>
     </p:spTree>
     <p:extLst>
       <p:ext uri="{BB962C8B-B14F-4D97-AF65-F5344CB8AC3E}">

--- a/img/Ecossistema Open Automação.pptx
+++ b/img/Ecossistema Open Automação.pptx
@@ -259,7 +259,7 @@
           <a:p>
             <a:fld id="{B92F3E02-00DD-4B44-9075-AA8AB3735033}" type="datetimeFigureOut">
               <a:rPr lang="pt-BR" smtClean="0"/>
-              <a:t>16/07/2023</a:t>
+              <a:t>21/07/2023</a:t>
             </a:fld>
             <a:endParaRPr lang="pt-BR"/>
           </a:p>
@@ -457,7 +457,7 @@
           <a:p>
             <a:fld id="{B92F3E02-00DD-4B44-9075-AA8AB3735033}" type="datetimeFigureOut">
               <a:rPr lang="pt-BR" smtClean="0"/>
-              <a:t>16/07/2023</a:t>
+              <a:t>21/07/2023</a:t>
             </a:fld>
             <a:endParaRPr lang="pt-BR"/>
           </a:p>
@@ -665,7 +665,7 @@
           <a:p>
             <a:fld id="{B92F3E02-00DD-4B44-9075-AA8AB3735033}" type="datetimeFigureOut">
               <a:rPr lang="pt-BR" smtClean="0"/>
-              <a:t>16/07/2023</a:t>
+              <a:t>21/07/2023</a:t>
             </a:fld>
             <a:endParaRPr lang="pt-BR"/>
           </a:p>
@@ -863,7 +863,7 @@
           <a:p>
             <a:fld id="{B92F3E02-00DD-4B44-9075-AA8AB3735033}" type="datetimeFigureOut">
               <a:rPr lang="pt-BR" smtClean="0"/>
-              <a:t>16/07/2023</a:t>
+              <a:t>21/07/2023</a:t>
             </a:fld>
             <a:endParaRPr lang="pt-BR"/>
           </a:p>
@@ -1138,7 +1138,7 @@
           <a:p>
             <a:fld id="{B92F3E02-00DD-4B44-9075-AA8AB3735033}" type="datetimeFigureOut">
               <a:rPr lang="pt-BR" smtClean="0"/>
-              <a:t>16/07/2023</a:t>
+              <a:t>21/07/2023</a:t>
             </a:fld>
             <a:endParaRPr lang="pt-BR"/>
           </a:p>
@@ -1403,7 +1403,7 @@
           <a:p>
             <a:fld id="{B92F3E02-00DD-4B44-9075-AA8AB3735033}" type="datetimeFigureOut">
               <a:rPr lang="pt-BR" smtClean="0"/>
-              <a:t>16/07/2023</a:t>
+              <a:t>21/07/2023</a:t>
             </a:fld>
             <a:endParaRPr lang="pt-BR"/>
           </a:p>
@@ -1815,7 +1815,7 @@
           <a:p>
             <a:fld id="{B92F3E02-00DD-4B44-9075-AA8AB3735033}" type="datetimeFigureOut">
               <a:rPr lang="pt-BR" smtClean="0"/>
-              <a:t>16/07/2023</a:t>
+              <a:t>21/07/2023</a:t>
             </a:fld>
             <a:endParaRPr lang="pt-BR"/>
           </a:p>
@@ -1956,7 +1956,7 @@
           <a:p>
             <a:fld id="{B92F3E02-00DD-4B44-9075-AA8AB3735033}" type="datetimeFigureOut">
               <a:rPr lang="pt-BR" smtClean="0"/>
-              <a:t>16/07/2023</a:t>
+              <a:t>21/07/2023</a:t>
             </a:fld>
             <a:endParaRPr lang="pt-BR"/>
           </a:p>
@@ -2069,7 +2069,7 @@
           <a:p>
             <a:fld id="{B92F3E02-00DD-4B44-9075-AA8AB3735033}" type="datetimeFigureOut">
               <a:rPr lang="pt-BR" smtClean="0"/>
-              <a:t>16/07/2023</a:t>
+              <a:t>21/07/2023</a:t>
             </a:fld>
             <a:endParaRPr lang="pt-BR"/>
           </a:p>
@@ -2380,7 +2380,7 @@
           <a:p>
             <a:fld id="{B92F3E02-00DD-4B44-9075-AA8AB3735033}" type="datetimeFigureOut">
               <a:rPr lang="pt-BR" smtClean="0"/>
-              <a:t>16/07/2023</a:t>
+              <a:t>21/07/2023</a:t>
             </a:fld>
             <a:endParaRPr lang="pt-BR"/>
           </a:p>
@@ -2668,7 +2668,7 @@
           <a:p>
             <a:fld id="{B92F3E02-00DD-4B44-9075-AA8AB3735033}" type="datetimeFigureOut">
               <a:rPr lang="pt-BR" smtClean="0"/>
-              <a:t>16/07/2023</a:t>
+              <a:t>21/07/2023</a:t>
             </a:fld>
             <a:endParaRPr lang="pt-BR"/>
           </a:p>
@@ -2909,7 +2909,7 @@
           <a:p>
             <a:fld id="{B92F3E02-00DD-4B44-9075-AA8AB3735033}" type="datetimeFigureOut">
               <a:rPr lang="pt-BR" smtClean="0"/>
-              <a:t>16/07/2023</a:t>
+              <a:t>21/07/2023</a:t>
             </a:fld>
             <a:endParaRPr lang="pt-BR"/>
           </a:p>
@@ -3340,7 +3340,7 @@
         </p:nvSpPr>
         <p:spPr>
           <a:xfrm>
-            <a:off x="909358" y="250005"/>
+            <a:off x="909358" y="191822"/>
             <a:ext cx="10005604" cy="6416173"/>
           </a:xfrm>
           <a:prstGeom prst="ellipse">
@@ -6297,7 +6297,7 @@
         </p:blipFill>
         <p:spPr bwMode="auto">
           <a:xfrm>
-            <a:off x="8851039" y="5125293"/>
+            <a:off x="8741613" y="5026491"/>
             <a:ext cx="513579" cy="631702"/>
           </a:xfrm>
           <a:prstGeom prst="rect">
@@ -7214,8 +7214,8 @@
         </p:nvSpPr>
         <p:spPr>
           <a:xfrm rot="1730996">
-            <a:off x="5244320" y="2207365"/>
-            <a:ext cx="1436242" cy="420341"/>
+            <a:off x="5233856" y="2364056"/>
+            <a:ext cx="1248784" cy="420341"/>
           </a:xfrm>
           <a:prstGeom prst="leftRightArrow">
             <a:avLst/>
@@ -7813,6 +7813,252 @@
               <a:schemeClr val="tx1"/>
             </a:solidFill>
           </a:ln>
+        </p:spPr>
+      </p:pic>
+      <p:pic>
+        <p:nvPicPr>
+          <p:cNvPr id="18" name="Picture 17">
+            <a:extLst>
+              <a:ext uri="{FF2B5EF4-FFF2-40B4-BE49-F238E27FC236}">
+                <a16:creationId xmlns:a16="http://schemas.microsoft.com/office/drawing/2014/main" id="{FFEF8911-E16C-545C-96A5-BF0B14091B1F}"/>
+              </a:ext>
+            </a:extLst>
+          </p:cNvPr>
+          <p:cNvPicPr>
+            <a:picLocks noChangeAspect="1"/>
+          </p:cNvPicPr>
+          <p:nvPr/>
+        </p:nvPicPr>
+        <p:blipFill>
+          <a:blip r:embed="rId8"/>
+          <a:stretch>
+            <a:fillRect/>
+          </a:stretch>
+        </p:blipFill>
+        <p:spPr>
+          <a:xfrm>
+            <a:off x="2157327" y="4724293"/>
+            <a:ext cx="613824" cy="631702"/>
+          </a:xfrm>
+          <a:prstGeom prst="rect">
+            <a:avLst/>
+          </a:prstGeom>
+        </p:spPr>
+      </p:pic>
+      <p:sp>
+        <p:nvSpPr>
+          <p:cNvPr id="19" name="Forma Livre 24">
+            <a:extLst>
+              <a:ext uri="{FF2B5EF4-FFF2-40B4-BE49-F238E27FC236}">
+                <a16:creationId xmlns:a16="http://schemas.microsoft.com/office/drawing/2014/main" id="{C8CCA7FA-C9FB-51F0-40FB-327B1D8AE4E7}"/>
+              </a:ext>
+            </a:extLst>
+          </p:cNvPr>
+          <p:cNvSpPr/>
+          <p:nvPr/>
+        </p:nvSpPr>
+        <p:spPr>
+          <a:xfrm>
+            <a:off x="5310041" y="1391290"/>
+            <a:ext cx="678663" cy="638906"/>
+          </a:xfrm>
+          <a:custGeom>
+            <a:avLst/>
+            <a:gdLst>
+              <a:gd name="connsiteX0" fmla="*/ 0 w 575849"/>
+              <a:gd name="connsiteY0" fmla="*/ 250493 h 500985"/>
+              <a:gd name="connsiteX1" fmla="*/ 125246 w 575849"/>
+              <a:gd name="connsiteY1" fmla="*/ 0 h 500985"/>
+              <a:gd name="connsiteX2" fmla="*/ 450603 w 575849"/>
+              <a:gd name="connsiteY2" fmla="*/ 0 h 500985"/>
+              <a:gd name="connsiteX3" fmla="*/ 575849 w 575849"/>
+              <a:gd name="connsiteY3" fmla="*/ 250493 h 500985"/>
+              <a:gd name="connsiteX4" fmla="*/ 450603 w 575849"/>
+              <a:gd name="connsiteY4" fmla="*/ 500985 h 500985"/>
+              <a:gd name="connsiteX5" fmla="*/ 125246 w 575849"/>
+              <a:gd name="connsiteY5" fmla="*/ 500985 h 500985"/>
+              <a:gd name="connsiteX6" fmla="*/ 0 w 575849"/>
+              <a:gd name="connsiteY6" fmla="*/ 250493 h 500985"/>
+            </a:gdLst>
+            <a:ahLst/>
+            <a:cxnLst>
+              <a:cxn ang="0">
+                <a:pos x="connsiteX0" y="connsiteY0"/>
+              </a:cxn>
+              <a:cxn ang="0">
+                <a:pos x="connsiteX1" y="connsiteY1"/>
+              </a:cxn>
+              <a:cxn ang="0">
+                <a:pos x="connsiteX2" y="connsiteY2"/>
+              </a:cxn>
+              <a:cxn ang="0">
+                <a:pos x="connsiteX3" y="connsiteY3"/>
+              </a:cxn>
+              <a:cxn ang="0">
+                <a:pos x="connsiteX4" y="connsiteY4"/>
+              </a:cxn>
+              <a:cxn ang="0">
+                <a:pos x="connsiteX5" y="connsiteY5"/>
+              </a:cxn>
+              <a:cxn ang="0">
+                <a:pos x="connsiteX6" y="connsiteY6"/>
+              </a:cxn>
+            </a:cxnLst>
+            <a:rect l="l" t="t" r="r" b="b"/>
+            <a:pathLst>
+              <a:path w="575849" h="500985">
+                <a:moveTo>
+                  <a:pt x="287924" y="0"/>
+                </a:moveTo>
+                <a:lnTo>
+                  <a:pt x="575849" y="108963"/>
+                </a:lnTo>
+                <a:lnTo>
+                  <a:pt x="575849" y="392022"/>
+                </a:lnTo>
+                <a:lnTo>
+                  <a:pt x="287924" y="500985"/>
+                </a:lnTo>
+                <a:lnTo>
+                  <a:pt x="0" y="392022"/>
+                </a:lnTo>
+                <a:lnTo>
+                  <a:pt x="0" y="108963"/>
+                </a:lnTo>
+                <a:lnTo>
+                  <a:pt x="287924" y="0"/>
+                </a:lnTo>
+                <a:close/>
+              </a:path>
+            </a:pathLst>
+          </a:custGeom>
+          <a:solidFill>
+            <a:schemeClr val="accent4">
+              <a:lumMod val="20000"/>
+              <a:lumOff val="80000"/>
+            </a:schemeClr>
+          </a:solidFill>
+          <a:ln>
+            <a:solidFill>
+              <a:schemeClr val="tx1"/>
+            </a:solidFill>
+          </a:ln>
+        </p:spPr>
+        <p:style>
+          <a:lnRef idx="2">
+            <a:schemeClr val="lt1">
+              <a:hueOff val="0"/>
+              <a:satOff val="0"/>
+              <a:lumOff val="0"/>
+              <a:alphaOff val="0"/>
+            </a:schemeClr>
+          </a:lnRef>
+          <a:fillRef idx="1">
+            <a:scrgbClr r="0" g="0" b="0"/>
+          </a:fillRef>
+          <a:effectRef idx="0">
+            <a:schemeClr val="accent5">
+              <a:hueOff val="-4505695"/>
+              <a:satOff val="-11613"/>
+              <a:lumOff val="-7843"/>
+              <a:alphaOff val="0"/>
+            </a:schemeClr>
+          </a:effectRef>
+          <a:fontRef idx="minor">
+            <a:schemeClr val="lt1"/>
+          </a:fontRef>
+        </p:style>
+        <p:txBody>
+          <a:bodyPr spcFirstLastPara="0" vert="horz" wrap="square" lIns="104740" tIns="116406" rIns="104740" bIns="116406" numCol="1" spcCol="1270" anchor="ctr" anchorCtr="0">
+            <a:noAutofit/>
+          </a:bodyPr>
+          <a:lstStyle/>
+          <a:p>
+            <a:pPr marL="0" lvl="0" indent="0" algn="ctr" defTabSz="311150">
+              <a:lnSpc>
+                <a:spcPct val="90000"/>
+              </a:lnSpc>
+              <a:spcBef>
+                <a:spcPct val="0"/>
+              </a:spcBef>
+              <a:spcAft>
+                <a:spcPct val="35000"/>
+              </a:spcAft>
+              <a:buNone/>
+            </a:pPr>
+            <a:r>
+              <a:rPr lang="pt-BR" sz="1050" dirty="0">
+                <a:solidFill>
+                  <a:schemeClr val="tx1"/>
+                </a:solidFill>
+              </a:rPr>
+              <a:t>Node-RED</a:t>
+            </a:r>
+            <a:endParaRPr lang="pt-BR" sz="700" kern="1200" dirty="0">
+              <a:solidFill>
+                <a:schemeClr val="tx1"/>
+              </a:solidFill>
+            </a:endParaRPr>
+          </a:p>
+        </p:txBody>
+      </p:sp>
+      <p:pic>
+        <p:nvPicPr>
+          <p:cNvPr id="24" name="Picture 23">
+            <a:extLst>
+              <a:ext uri="{FF2B5EF4-FFF2-40B4-BE49-F238E27FC236}">
+                <a16:creationId xmlns:a16="http://schemas.microsoft.com/office/drawing/2014/main" id="{3221F717-48CF-AF39-A462-77E8952FABB2}"/>
+              </a:ext>
+            </a:extLst>
+          </p:cNvPr>
+          <p:cNvPicPr>
+            <a:picLocks noChangeAspect="1"/>
+          </p:cNvPicPr>
+          <p:nvPr/>
+        </p:nvPicPr>
+        <p:blipFill rotWithShape="1">
+          <a:blip r:embed="rId9"/>
+          <a:srcRect t="11347" b="11380"/>
+          <a:stretch/>
+        </p:blipFill>
+        <p:spPr>
+          <a:xfrm>
+            <a:off x="2803288" y="4803873"/>
+            <a:ext cx="1466602" cy="422050"/>
+          </a:xfrm>
+          <a:prstGeom prst="rect">
+            <a:avLst/>
+          </a:prstGeom>
+        </p:spPr>
+      </p:pic>
+      <p:pic>
+        <p:nvPicPr>
+          <p:cNvPr id="38" name="Picture 37">
+            <a:extLst>
+              <a:ext uri="{FF2B5EF4-FFF2-40B4-BE49-F238E27FC236}">
+                <a16:creationId xmlns:a16="http://schemas.microsoft.com/office/drawing/2014/main" id="{3513425B-723F-A85E-2C25-EB2BF3CCCDB1}"/>
+              </a:ext>
+            </a:extLst>
+          </p:cNvPr>
+          <p:cNvPicPr>
+            <a:picLocks noChangeAspect="1"/>
+          </p:cNvPicPr>
+          <p:nvPr/>
+        </p:nvPicPr>
+        <p:blipFill>
+          <a:blip r:embed="rId10"/>
+          <a:stretch>
+            <a:fillRect/>
+          </a:stretch>
+        </p:blipFill>
+        <p:spPr>
+          <a:xfrm>
+            <a:off x="4324545" y="4769347"/>
+            <a:ext cx="985496" cy="596373"/>
+          </a:xfrm>
+          <a:prstGeom prst="rect">
+            <a:avLst/>
+          </a:prstGeom>
         </p:spPr>
       </p:pic>
     </p:spTree>
